--- a/projeto/LetsCook_04.pptx
+++ b/projeto/LetsCook_04.pptx
@@ -5,7 +5,7 @@
     <p:sldMasterId id="2147483856" r:id="rId1"/>
   </p:sldMasterIdLst>
   <p:notesMasterIdLst>
-    <p:notesMasterId r:id="rId16"/>
+    <p:notesMasterId r:id="rId18"/>
   </p:notesMasterIdLst>
   <p:sldIdLst>
     <p:sldId id="256" r:id="rId2"/>
@@ -15,22 +15,19 @@
     <p:sldId id="277" r:id="rId6"/>
     <p:sldId id="275" r:id="rId7"/>
     <p:sldId id="278" r:id="rId8"/>
-    <p:sldId id="269" r:id="rId9"/>
+    <p:sldId id="279" r:id="rId9"/>
     <p:sldId id="271" r:id="rId10"/>
     <p:sldId id="272" r:id="rId11"/>
-    <p:sldId id="261" r:id="rId12"/>
-    <p:sldId id="273" r:id="rId13"/>
-    <p:sldId id="263" r:id="rId14"/>
-    <p:sldId id="264" r:id="rId15"/>
+    <p:sldId id="280" r:id="rId12"/>
+    <p:sldId id="281" r:id="rId13"/>
+    <p:sldId id="261" r:id="rId14"/>
+    <p:sldId id="273" r:id="rId15"/>
+    <p:sldId id="263" r:id="rId16"/>
+    <p:sldId id="264" r:id="rId17"/>
   </p:sldIdLst>
   <p:sldSz cx="9144000" cy="5143500" type="screen16x9"/>
   <p:notesSz cx="6858000" cy="9144000"/>
   <p:embeddedFontLst>
-    <p:embeddedFont>
-      <p:font typeface="Segoe UI Black" panose="020B0A02040204020203" pitchFamily="34" charset="0"/>
-      <p:bold r:id="rId17"/>
-      <p:boldItalic r:id="rId18"/>
-    </p:embeddedFont>
     <p:embeddedFont>
       <p:font typeface="Garamond" panose="02020404030301010803" pitchFamily="18" charset="0"/>
       <p:regular r:id="rId19"/>
@@ -38,15 +35,20 @@
       <p:italic r:id="rId21"/>
     </p:embeddedFont>
     <p:embeddedFont>
-      <p:font typeface="Lato" panose="020B0604020202020204" charset="0"/>
+      <p:font typeface="Century" panose="02040604050505020304" pitchFamily="18" charset="0"/>
       <p:regular r:id="rId22"/>
-      <p:bold r:id="rId23"/>
-      <p:italic r:id="rId24"/>
-      <p:boldItalic r:id="rId25"/>
     </p:embeddedFont>
     <p:embeddedFont>
-      <p:font typeface="Century" panose="02040604050505020304" pitchFamily="18" charset="0"/>
-      <p:regular r:id="rId26"/>
+      <p:font typeface="Segoe UI Black" panose="020B0A02040204020203" pitchFamily="34" charset="0"/>
+      <p:bold r:id="rId23"/>
+      <p:boldItalic r:id="rId24"/>
+    </p:embeddedFont>
+    <p:embeddedFont>
+      <p:font typeface="Lato" panose="020B0604020202020204" charset="0"/>
+      <p:regular r:id="rId25"/>
+      <p:bold r:id="rId26"/>
+      <p:italic r:id="rId27"/>
+      <p:boldItalic r:id="rId28"/>
     </p:embeddedFont>
   </p:embeddedFontLst>
   <p:defaultTextStyle>
@@ -853,34 +855,6 @@
             <a:noAutofit/>
           </a:bodyPr>
           <a:lstStyle/>
-          <a:p>
-            <a:pPr marL="0" marR="0" lvl="0" indent="0" algn="l" defTabSz="914400" rtl="0" eaLnBrk="1" fontAlgn="auto" latinLnBrk="0" hangingPunct="1">
-              <a:lnSpc>
-                <a:spcPct val="100000"/>
-              </a:lnSpc>
-              <a:spcBef>
-                <a:spcPts val="0"/>
-              </a:spcBef>
-              <a:spcAft>
-                <a:spcPts val="0"/>
-              </a:spcAft>
-              <a:buClrTx/>
-              <a:buSzPct val="100000"/>
-              <a:buFontTx/>
-              <a:buNone/>
-              <a:tabLst/>
-              <a:defRPr/>
-            </a:pPr>
-            <a:r>
-              <a:rPr lang="pt-BR" sz="1100" dirty="0">
-                <a:latin typeface="+mn-lt"/>
-                <a:ea typeface="Arial"/>
-                <a:cs typeface="Arial"/>
-                <a:sym typeface="Arial"/>
-              </a:rPr>
-              <a:t>A falta de clareza e a dificuldade no preparo das receitas ainda existentes.</a:t>
-            </a:r>
-          </a:p>
           <a:p>
             <a:pPr lvl="0">
               <a:spcBef>
@@ -8353,7 +8327,7 @@
   <p:cSld>
     <p:spTree>
       <p:nvGrpSpPr>
-        <p:cNvPr id="1" name="Shape 163"/>
+        <p:cNvPr id="1" name=""/>
         <p:cNvGrpSpPr/>
         <p:nvPr/>
       </p:nvGrpSpPr>
@@ -8367,24 +8341,111 @@
       </p:grpSpPr>
       <p:sp>
         <p:nvSpPr>
-          <p:cNvPr id="5" name="Retângulo Arredondado 4"/>
+          <p:cNvPr id="2" name="Título 1">
+            <a:extLst>
+              <a:ext uri="{FF2B5EF4-FFF2-40B4-BE49-F238E27FC236}">
+                <a16:creationId xmlns:a16="http://schemas.microsoft.com/office/drawing/2014/main" id="{0A7696E3-9FC0-489A-8192-855E6C3C1940}"/>
+              </a:ext>
+            </a:extLst>
+          </p:cNvPr>
+          <p:cNvSpPr>
+            <a:spLocks noGrp="1"/>
+          </p:cNvSpPr>
+          <p:nvPr>
+            <p:ph type="title"/>
+          </p:nvPr>
+        </p:nvSpPr>
+        <p:spPr>
+          <a:xfrm>
+            <a:off x="809773" y="785169"/>
+            <a:ext cx="7539401" cy="1020284"/>
+          </a:xfrm>
+        </p:spPr>
+        <p:txBody>
+          <a:bodyPr>
+            <a:noAutofit/>
+          </a:bodyPr>
+          <a:lstStyle/>
+          <a:p>
+            <a:r>
+              <a:rPr lang="pt-BR" sz="2400" dirty="0">
+                <a:latin typeface="Century" panose="02040604050505020304" pitchFamily="18" charset="0"/>
+              </a:rPr>
+              <a:t>Você identifica facilmente possíveis receitas através dos ingredientes existentes na sua dispensa?</a:t>
+            </a:r>
+          </a:p>
+        </p:txBody>
+      </p:sp>
+      <p:sp>
+        <p:nvSpPr>
+          <p:cNvPr id="6" name="TextBox 4">
+            <a:extLst>
+              <a:ext uri="{FF2B5EF4-FFF2-40B4-BE49-F238E27FC236}">
+                <a16:creationId xmlns:a16="http://schemas.microsoft.com/office/drawing/2014/main" id="{D3B59C13-CAF8-40AD-85DE-5A7EB0DC717C}"/>
+              </a:ext>
+            </a:extLst>
+          </p:cNvPr>
+          <p:cNvSpPr txBox="1"/>
+          <p:nvPr/>
+        </p:nvSpPr>
+        <p:spPr>
+          <a:xfrm>
+            <a:off x="4829175" y="2400300"/>
+            <a:ext cx="513282" cy="738664"/>
+          </a:xfrm>
+          <a:prstGeom prst="rect">
+            <a:avLst/>
+          </a:prstGeom>
+          <a:noFill/>
+        </p:spPr>
+        <p:txBody>
+          <a:bodyPr wrap="none" rtlCol="0">
+            <a:spAutoFit/>
+          </a:bodyPr>
+          <a:lstStyle/>
+          <a:p>
+            <a:r>
+              <a:rPr lang="pt-BR" dirty="0"/>
+              <a:t>Sim</a:t>
+            </a:r>
+          </a:p>
+          <a:p>
+            <a:endParaRPr lang="pt-BR" dirty="0"/>
+          </a:p>
+          <a:p>
+            <a:r>
+              <a:rPr lang="pt-BR" dirty="0"/>
+              <a:t>Não</a:t>
+            </a:r>
+          </a:p>
+        </p:txBody>
+      </p:sp>
+      <p:sp>
+        <p:nvSpPr>
+          <p:cNvPr id="7" name="Oval 5">
+            <a:extLst>
+              <a:ext uri="{FF2B5EF4-FFF2-40B4-BE49-F238E27FC236}">
+                <a16:creationId xmlns:a16="http://schemas.microsoft.com/office/drawing/2014/main" id="{92256597-1AEE-43FC-A15E-EE04FA307D7B}"/>
+              </a:ext>
+            </a:extLst>
+          </p:cNvPr>
           <p:cNvSpPr/>
           <p:nvPr/>
         </p:nvSpPr>
         <p:spPr>
           <a:xfrm>
-            <a:off x="1877438" y="1809344"/>
-            <a:ext cx="5389123" cy="1089499"/>
-          </a:xfrm>
-          <a:prstGeom prst="roundRect">
+            <a:off x="4676775" y="2476500"/>
+            <a:ext cx="152400" cy="152400"/>
+          </a:xfrm>
+          <a:prstGeom prst="ellipse">
             <a:avLst/>
           </a:prstGeom>
           <a:solidFill>
-            <a:schemeClr val="bg1"/>
+            <a:srgbClr val="B0875C"/>
           </a:solidFill>
           <a:ln>
             <a:solidFill>
-              <a:schemeClr val="accent1"/>
+              <a:srgbClr val="B0875C"/>
             </a:solidFill>
           </a:ln>
         </p:spPr>
@@ -8415,152 +8476,100 @@
       </p:sp>
       <p:sp>
         <p:nvSpPr>
-          <p:cNvPr id="4" name="Shape 152"/>
-          <p:cNvSpPr txBox="1">
-            <a:spLocks/>
-          </p:cNvSpPr>
+          <p:cNvPr id="8" name="Oval 6">
+            <a:extLst>
+              <a:ext uri="{FF2B5EF4-FFF2-40B4-BE49-F238E27FC236}">
+                <a16:creationId xmlns:a16="http://schemas.microsoft.com/office/drawing/2014/main" id="{001DEEB7-6E46-4A6C-8B2E-05A8561A2311}"/>
+              </a:ext>
+            </a:extLst>
+          </p:cNvPr>
+          <p:cNvSpPr/>
           <p:nvPr/>
         </p:nvSpPr>
         <p:spPr>
           <a:xfrm>
-            <a:off x="359922" y="1784050"/>
-            <a:ext cx="8424154" cy="1605064"/>
+            <a:off x="4676775" y="2895599"/>
+            <a:ext cx="152400" cy="152400"/>
+          </a:xfrm>
+          <a:prstGeom prst="ellipse">
+            <a:avLst/>
+          </a:prstGeom>
+          <a:solidFill>
+            <a:srgbClr val="DBB690"/>
+          </a:solidFill>
+          <a:ln>
+            <a:solidFill>
+              <a:srgbClr val="DBB690"/>
+            </a:solidFill>
+          </a:ln>
+        </p:spPr>
+        <p:style>
+          <a:lnRef idx="2">
+            <a:schemeClr val="accent1">
+              <a:shade val="50000"/>
+            </a:schemeClr>
+          </a:lnRef>
+          <a:fillRef idx="1">
+            <a:schemeClr val="accent1"/>
+          </a:fillRef>
+          <a:effectRef idx="0">
+            <a:schemeClr val="accent1"/>
+          </a:effectRef>
+          <a:fontRef idx="minor">
+            <a:schemeClr val="lt1"/>
+          </a:fontRef>
+        </p:style>
+        <p:txBody>
+          <a:bodyPr rtlCol="0" anchor="ctr"/>
+          <a:lstStyle/>
+          <a:p>
+            <a:pPr algn="ctr"/>
+            <a:endParaRPr lang="pt-BR"/>
+          </a:p>
+        </p:txBody>
+      </p:sp>
+      <p:pic>
+        <p:nvPicPr>
+          <p:cNvPr id="10" name="Imagem 9">
+            <a:extLst>
+              <a:ext uri="{FF2B5EF4-FFF2-40B4-BE49-F238E27FC236}">
+                <a16:creationId xmlns:a16="http://schemas.microsoft.com/office/drawing/2014/main" id="{C8580E0C-DA60-47D9-AAA3-D41BA74FA399}"/>
+              </a:ext>
+            </a:extLst>
+          </p:cNvPr>
+          <p:cNvPicPr>
+            <a:picLocks noChangeAspect="1"/>
+          </p:cNvPicPr>
+          <p:nvPr/>
+        </p:nvPicPr>
+        <p:blipFill>
+          <a:blip r:embed="rId2"/>
+          <a:stretch>
+            <a:fillRect/>
+          </a:stretch>
+        </p:blipFill>
+        <p:spPr>
+          <a:xfrm>
+            <a:off x="1412269" y="1879076"/>
+            <a:ext cx="2585367" cy="2519776"/>
           </a:xfrm>
           <a:prstGeom prst="rect">
             <a:avLst/>
           </a:prstGeom>
-          <a:effectLst/>
-        </p:spPr>
-        <p:txBody>
-          <a:bodyPr vert="horz" wrap="square" lIns="91425" tIns="91425" rIns="91425" bIns="91425" rtlCol="0" anchor="t" anchorCtr="0">
-            <a:noAutofit/>
-          </a:bodyPr>
-          <a:lstStyle>
-            <a:lvl1pPr lvl="0" algn="ctr" defTabSz="342900" rtl="0" eaLnBrk="1" latinLnBrk="0" hangingPunct="1">
-              <a:spcBef>
-                <a:spcPts val="0"/>
-              </a:spcBef>
-              <a:buSzPct val="100000"/>
-              <a:buNone/>
-              <a:defRPr sz="2400" kern="1200" cap="none">
-                <a:ln w="3175" cmpd="sng">
-                  <a:noFill/>
-                </a:ln>
-                <a:solidFill>
-                  <a:schemeClr val="tx1">
-                    <a:lumMod val="85000"/>
-                    <a:lumOff val="15000"/>
-                  </a:schemeClr>
-                </a:solidFill>
-                <a:effectLst/>
-                <a:latin typeface="+mj-lt"/>
-                <a:ea typeface="+mj-ea"/>
-                <a:cs typeface="+mj-cs"/>
-              </a:defRPr>
-            </a:lvl1pPr>
-            <a:lvl2pPr lvl="1" eaLnBrk="1" hangingPunct="1">
-              <a:spcBef>
-                <a:spcPts val="0"/>
-              </a:spcBef>
-              <a:buSzPct val="100000"/>
-              <a:defRPr sz="2400">
-                <a:solidFill>
-                  <a:schemeClr val="tx2"/>
-                </a:solidFill>
-              </a:defRPr>
-            </a:lvl2pPr>
-            <a:lvl3pPr lvl="2" eaLnBrk="1" hangingPunct="1">
-              <a:spcBef>
-                <a:spcPts val="0"/>
-              </a:spcBef>
-              <a:buSzPct val="100000"/>
-              <a:defRPr sz="2400">
-                <a:solidFill>
-                  <a:schemeClr val="tx2"/>
-                </a:solidFill>
-              </a:defRPr>
-            </a:lvl3pPr>
-            <a:lvl4pPr lvl="3" eaLnBrk="1" hangingPunct="1">
-              <a:spcBef>
-                <a:spcPts val="0"/>
-              </a:spcBef>
-              <a:buSzPct val="100000"/>
-              <a:defRPr sz="2400">
-                <a:solidFill>
-                  <a:schemeClr val="tx2"/>
-                </a:solidFill>
-              </a:defRPr>
-            </a:lvl4pPr>
-            <a:lvl5pPr lvl="4" eaLnBrk="1" hangingPunct="1">
-              <a:spcBef>
-                <a:spcPts val="0"/>
-              </a:spcBef>
-              <a:buSzPct val="100000"/>
-              <a:defRPr sz="2400">
-                <a:solidFill>
-                  <a:schemeClr val="tx2"/>
-                </a:solidFill>
-              </a:defRPr>
-            </a:lvl5pPr>
-            <a:lvl6pPr lvl="5" eaLnBrk="1" hangingPunct="1">
-              <a:spcBef>
-                <a:spcPts val="0"/>
-              </a:spcBef>
-              <a:buSzPct val="100000"/>
-              <a:defRPr sz="2400">
-                <a:solidFill>
-                  <a:schemeClr val="tx2"/>
-                </a:solidFill>
-              </a:defRPr>
-            </a:lvl6pPr>
-            <a:lvl7pPr lvl="6" eaLnBrk="1" hangingPunct="1">
-              <a:spcBef>
-                <a:spcPts val="0"/>
-              </a:spcBef>
-              <a:buSzPct val="100000"/>
-              <a:defRPr sz="2400">
-                <a:solidFill>
-                  <a:schemeClr val="tx2"/>
-                </a:solidFill>
-              </a:defRPr>
-            </a:lvl7pPr>
-            <a:lvl8pPr lvl="7" eaLnBrk="1" hangingPunct="1">
-              <a:spcBef>
-                <a:spcPts val="0"/>
-              </a:spcBef>
-              <a:buSzPct val="100000"/>
-              <a:defRPr sz="2400">
-                <a:solidFill>
-                  <a:schemeClr val="tx2"/>
-                </a:solidFill>
-              </a:defRPr>
-            </a:lvl8pPr>
-            <a:lvl9pPr lvl="8" eaLnBrk="1" hangingPunct="1">
-              <a:spcBef>
-                <a:spcPts val="0"/>
-              </a:spcBef>
-              <a:buSzPct val="100000"/>
-              <a:defRPr sz="2400">
-                <a:solidFill>
-                  <a:schemeClr val="tx2"/>
-                </a:solidFill>
-              </a:defRPr>
-            </a:lvl9pPr>
-          </a:lstStyle>
-          <a:p>
-            <a:r>
-              <a:rPr lang="pt-BR" sz="6000" dirty="0">
-                <a:latin typeface="Century" panose="02040604050505020304" pitchFamily="18" charset="0"/>
-              </a:rPr>
-              <a:t>SOLUÇÃO</a:t>
-            </a:r>
-            <a:endParaRPr lang="pt-BR" sz="7200" dirty="0">
-              <a:latin typeface="Century" panose="02040604050505020304" pitchFamily="18" charset="0"/>
-            </a:endParaRPr>
-          </a:p>
-        </p:txBody>
-      </p:sp>
+          <a:ln>
+            <a:noFill/>
+          </a:ln>
+          <a:effectLst>
+            <a:softEdge rad="112500"/>
+          </a:effectLst>
+        </p:spPr>
+      </p:pic>
     </p:spTree>
+    <p:extLst>
+      <p:ext uri="{BB962C8B-B14F-4D97-AF65-F5344CB8AC3E}">
+        <p14:creationId xmlns:p14="http://schemas.microsoft.com/office/powerpoint/2010/main" val="1905088276"/>
+      </p:ext>
+    </p:extLst>
   </p:cSld>
   <p:clrMapOvr>
     <a:masterClrMapping/>
@@ -8587,6 +8596,474 @@
       </p:grpSpPr>
       <p:sp>
         <p:nvSpPr>
+          <p:cNvPr id="2" name="Título 1">
+            <a:extLst>
+              <a:ext uri="{FF2B5EF4-FFF2-40B4-BE49-F238E27FC236}">
+                <a16:creationId xmlns:a16="http://schemas.microsoft.com/office/drawing/2014/main" id="{9A5C32B0-9D04-40E7-BA4A-AD88BD88447E}"/>
+              </a:ext>
+            </a:extLst>
+          </p:cNvPr>
+          <p:cNvSpPr>
+            <a:spLocks noGrp="1"/>
+          </p:cNvSpPr>
+          <p:nvPr>
+            <p:ph type="title"/>
+          </p:nvPr>
+        </p:nvSpPr>
+        <p:spPr>
+          <a:xfrm>
+            <a:off x="337624" y="736600"/>
+            <a:ext cx="8436655" cy="977900"/>
+          </a:xfrm>
+        </p:spPr>
+        <p:txBody>
+          <a:bodyPr>
+            <a:noAutofit/>
+          </a:bodyPr>
+          <a:lstStyle/>
+          <a:p>
+            <a:r>
+              <a:rPr lang="pt-BR" sz="2400" dirty="0">
+                <a:latin typeface="Century" panose="02040604050505020304" pitchFamily="18" charset="0"/>
+              </a:rPr>
+              <a:t>Você utilizaria um aplicativo que fosse capaz de identificar receitas através dos ingredientes da sua dispensa?</a:t>
+            </a:r>
+          </a:p>
+        </p:txBody>
+      </p:sp>
+      <p:pic>
+        <p:nvPicPr>
+          <p:cNvPr id="5" name="Espaço Reservado para Conteúdo 4">
+            <a:extLst>
+              <a:ext uri="{FF2B5EF4-FFF2-40B4-BE49-F238E27FC236}">
+                <a16:creationId xmlns:a16="http://schemas.microsoft.com/office/drawing/2014/main" id="{C39A010D-3C5B-4908-ABD6-DF8F94933B6F}"/>
+              </a:ext>
+            </a:extLst>
+          </p:cNvPr>
+          <p:cNvPicPr>
+            <a:picLocks noGrp="1" noChangeAspect="1"/>
+          </p:cNvPicPr>
+          <p:nvPr>
+            <p:ph idx="1"/>
+          </p:nvPr>
+        </p:nvPicPr>
+        <p:blipFill>
+          <a:blip r:embed="rId2"/>
+          <a:stretch>
+            <a:fillRect/>
+          </a:stretch>
+        </p:blipFill>
+        <p:spPr>
+          <a:xfrm>
+            <a:off x="1490634" y="1903632"/>
+            <a:ext cx="2617674" cy="2489200"/>
+          </a:xfrm>
+        </p:spPr>
+      </p:pic>
+      <p:sp>
+        <p:nvSpPr>
+          <p:cNvPr id="6" name="TextBox 4">
+            <a:extLst>
+              <a:ext uri="{FF2B5EF4-FFF2-40B4-BE49-F238E27FC236}">
+                <a16:creationId xmlns:a16="http://schemas.microsoft.com/office/drawing/2014/main" id="{A09A3EF8-2ED9-42FA-8515-89031A6C9CFA}"/>
+              </a:ext>
+            </a:extLst>
+          </p:cNvPr>
+          <p:cNvSpPr txBox="1"/>
+          <p:nvPr/>
+        </p:nvSpPr>
+        <p:spPr>
+          <a:xfrm>
+            <a:off x="4829175" y="2400300"/>
+            <a:ext cx="513282" cy="738664"/>
+          </a:xfrm>
+          <a:prstGeom prst="rect">
+            <a:avLst/>
+          </a:prstGeom>
+          <a:noFill/>
+        </p:spPr>
+        <p:txBody>
+          <a:bodyPr wrap="none" rtlCol="0">
+            <a:spAutoFit/>
+          </a:bodyPr>
+          <a:lstStyle/>
+          <a:p>
+            <a:r>
+              <a:rPr lang="pt-BR" dirty="0"/>
+              <a:t>Sim</a:t>
+            </a:r>
+          </a:p>
+          <a:p>
+            <a:endParaRPr lang="pt-BR" dirty="0"/>
+          </a:p>
+          <a:p>
+            <a:r>
+              <a:rPr lang="pt-BR" dirty="0"/>
+              <a:t>Não</a:t>
+            </a:r>
+          </a:p>
+        </p:txBody>
+      </p:sp>
+      <p:sp>
+        <p:nvSpPr>
+          <p:cNvPr id="7" name="Oval 5">
+            <a:extLst>
+              <a:ext uri="{FF2B5EF4-FFF2-40B4-BE49-F238E27FC236}">
+                <a16:creationId xmlns:a16="http://schemas.microsoft.com/office/drawing/2014/main" id="{DD0D3A89-9C56-45A1-8B3A-D8738BBE2265}"/>
+              </a:ext>
+            </a:extLst>
+          </p:cNvPr>
+          <p:cNvSpPr/>
+          <p:nvPr/>
+        </p:nvSpPr>
+        <p:spPr>
+          <a:xfrm>
+            <a:off x="4676775" y="2476500"/>
+            <a:ext cx="152400" cy="152400"/>
+          </a:xfrm>
+          <a:prstGeom prst="ellipse">
+            <a:avLst/>
+          </a:prstGeom>
+          <a:solidFill>
+            <a:srgbClr val="B0875C"/>
+          </a:solidFill>
+          <a:ln>
+            <a:solidFill>
+              <a:srgbClr val="B0875C"/>
+            </a:solidFill>
+          </a:ln>
+        </p:spPr>
+        <p:style>
+          <a:lnRef idx="2">
+            <a:schemeClr val="accent1">
+              <a:shade val="50000"/>
+            </a:schemeClr>
+          </a:lnRef>
+          <a:fillRef idx="1">
+            <a:schemeClr val="accent1"/>
+          </a:fillRef>
+          <a:effectRef idx="0">
+            <a:schemeClr val="accent1"/>
+          </a:effectRef>
+          <a:fontRef idx="minor">
+            <a:schemeClr val="lt1"/>
+          </a:fontRef>
+        </p:style>
+        <p:txBody>
+          <a:bodyPr rtlCol="0" anchor="ctr"/>
+          <a:lstStyle/>
+          <a:p>
+            <a:pPr algn="ctr"/>
+            <a:endParaRPr lang="pt-BR"/>
+          </a:p>
+        </p:txBody>
+      </p:sp>
+      <p:sp>
+        <p:nvSpPr>
+          <p:cNvPr id="8" name="Oval 6">
+            <a:extLst>
+              <a:ext uri="{FF2B5EF4-FFF2-40B4-BE49-F238E27FC236}">
+                <a16:creationId xmlns:a16="http://schemas.microsoft.com/office/drawing/2014/main" id="{12E5CEC5-D81E-49A5-B834-889181659A6B}"/>
+              </a:ext>
+            </a:extLst>
+          </p:cNvPr>
+          <p:cNvSpPr/>
+          <p:nvPr/>
+        </p:nvSpPr>
+        <p:spPr>
+          <a:xfrm>
+            <a:off x="4676775" y="2895599"/>
+            <a:ext cx="152400" cy="152400"/>
+          </a:xfrm>
+          <a:prstGeom prst="ellipse">
+            <a:avLst/>
+          </a:prstGeom>
+          <a:solidFill>
+            <a:srgbClr val="DBB690"/>
+          </a:solidFill>
+          <a:ln>
+            <a:solidFill>
+              <a:srgbClr val="DBB690"/>
+            </a:solidFill>
+          </a:ln>
+        </p:spPr>
+        <p:style>
+          <a:lnRef idx="2">
+            <a:schemeClr val="accent1">
+              <a:shade val="50000"/>
+            </a:schemeClr>
+          </a:lnRef>
+          <a:fillRef idx="1">
+            <a:schemeClr val="accent1"/>
+          </a:fillRef>
+          <a:effectRef idx="0">
+            <a:schemeClr val="accent1"/>
+          </a:effectRef>
+          <a:fontRef idx="minor">
+            <a:schemeClr val="lt1"/>
+          </a:fontRef>
+        </p:style>
+        <p:txBody>
+          <a:bodyPr rtlCol="0" anchor="ctr"/>
+          <a:lstStyle/>
+          <a:p>
+            <a:pPr algn="ctr"/>
+            <a:endParaRPr lang="pt-BR"/>
+          </a:p>
+        </p:txBody>
+      </p:sp>
+    </p:spTree>
+    <p:extLst>
+      <p:ext uri="{BB962C8B-B14F-4D97-AF65-F5344CB8AC3E}">
+        <p14:creationId xmlns:p14="http://schemas.microsoft.com/office/powerpoint/2010/main" val="3110006361"/>
+      </p:ext>
+    </p:extLst>
+  </p:cSld>
+  <p:clrMapOvr>
+    <a:masterClrMapping/>
+  </p:clrMapOvr>
+</p:sld>
+</file>
+
+<file path=ppt/slides/slide13.xml><?xml version="1.0" encoding="utf-8"?>
+<p:sld xmlns:a="http://schemas.openxmlformats.org/drawingml/2006/main" xmlns:r="http://schemas.openxmlformats.org/officeDocument/2006/relationships" xmlns:p="http://schemas.openxmlformats.org/presentationml/2006/main">
+  <p:cSld>
+    <p:spTree>
+      <p:nvGrpSpPr>
+        <p:cNvPr id="1" name="Shape 163"/>
+        <p:cNvGrpSpPr/>
+        <p:nvPr/>
+      </p:nvGrpSpPr>
+      <p:grpSpPr>
+        <a:xfrm>
+          <a:off x="0" y="0"/>
+          <a:ext cx="0" cy="0"/>
+          <a:chOff x="0" y="0"/>
+          <a:chExt cx="0" cy="0"/>
+        </a:xfrm>
+      </p:grpSpPr>
+      <p:sp>
+        <p:nvSpPr>
+          <p:cNvPr id="5" name="Retângulo Arredondado 4"/>
+          <p:cNvSpPr/>
+          <p:nvPr/>
+        </p:nvSpPr>
+        <p:spPr>
+          <a:xfrm>
+            <a:off x="1877438" y="1809344"/>
+            <a:ext cx="5389123" cy="1089499"/>
+          </a:xfrm>
+          <a:prstGeom prst="roundRect">
+            <a:avLst/>
+          </a:prstGeom>
+          <a:solidFill>
+            <a:schemeClr val="bg1"/>
+          </a:solidFill>
+          <a:ln>
+            <a:solidFill>
+              <a:schemeClr val="accent1"/>
+            </a:solidFill>
+          </a:ln>
+        </p:spPr>
+        <p:style>
+          <a:lnRef idx="2">
+            <a:schemeClr val="accent1">
+              <a:shade val="50000"/>
+            </a:schemeClr>
+          </a:lnRef>
+          <a:fillRef idx="1">
+            <a:schemeClr val="accent1"/>
+          </a:fillRef>
+          <a:effectRef idx="0">
+            <a:schemeClr val="accent1"/>
+          </a:effectRef>
+          <a:fontRef idx="minor">
+            <a:schemeClr val="lt1"/>
+          </a:fontRef>
+        </p:style>
+        <p:txBody>
+          <a:bodyPr rtlCol="0" anchor="ctr"/>
+          <a:lstStyle/>
+          <a:p>
+            <a:pPr algn="ctr"/>
+            <a:endParaRPr lang="pt-BR"/>
+          </a:p>
+        </p:txBody>
+      </p:sp>
+      <p:sp>
+        <p:nvSpPr>
+          <p:cNvPr id="4" name="Shape 152"/>
+          <p:cNvSpPr txBox="1">
+            <a:spLocks/>
+          </p:cNvSpPr>
+          <p:nvPr/>
+        </p:nvSpPr>
+        <p:spPr>
+          <a:xfrm>
+            <a:off x="359922" y="1784050"/>
+            <a:ext cx="8424154" cy="1605064"/>
+          </a:xfrm>
+          <a:prstGeom prst="rect">
+            <a:avLst/>
+          </a:prstGeom>
+          <a:effectLst/>
+        </p:spPr>
+        <p:txBody>
+          <a:bodyPr vert="horz" wrap="square" lIns="91425" tIns="91425" rIns="91425" bIns="91425" rtlCol="0" anchor="t" anchorCtr="0">
+            <a:noAutofit/>
+          </a:bodyPr>
+          <a:lstStyle>
+            <a:lvl1pPr lvl="0" algn="ctr" defTabSz="342900" rtl="0" eaLnBrk="1" latinLnBrk="0" hangingPunct="1">
+              <a:spcBef>
+                <a:spcPts val="0"/>
+              </a:spcBef>
+              <a:buSzPct val="100000"/>
+              <a:buNone/>
+              <a:defRPr sz="2400" kern="1200" cap="none">
+                <a:ln w="3175" cmpd="sng">
+                  <a:noFill/>
+                </a:ln>
+                <a:solidFill>
+                  <a:schemeClr val="tx1">
+                    <a:lumMod val="85000"/>
+                    <a:lumOff val="15000"/>
+                  </a:schemeClr>
+                </a:solidFill>
+                <a:effectLst/>
+                <a:latin typeface="+mj-lt"/>
+                <a:ea typeface="+mj-ea"/>
+                <a:cs typeface="+mj-cs"/>
+              </a:defRPr>
+            </a:lvl1pPr>
+            <a:lvl2pPr lvl="1" eaLnBrk="1" hangingPunct="1">
+              <a:spcBef>
+                <a:spcPts val="0"/>
+              </a:spcBef>
+              <a:buSzPct val="100000"/>
+              <a:defRPr sz="2400">
+                <a:solidFill>
+                  <a:schemeClr val="tx2"/>
+                </a:solidFill>
+              </a:defRPr>
+            </a:lvl2pPr>
+            <a:lvl3pPr lvl="2" eaLnBrk="1" hangingPunct="1">
+              <a:spcBef>
+                <a:spcPts val="0"/>
+              </a:spcBef>
+              <a:buSzPct val="100000"/>
+              <a:defRPr sz="2400">
+                <a:solidFill>
+                  <a:schemeClr val="tx2"/>
+                </a:solidFill>
+              </a:defRPr>
+            </a:lvl3pPr>
+            <a:lvl4pPr lvl="3" eaLnBrk="1" hangingPunct="1">
+              <a:spcBef>
+                <a:spcPts val="0"/>
+              </a:spcBef>
+              <a:buSzPct val="100000"/>
+              <a:defRPr sz="2400">
+                <a:solidFill>
+                  <a:schemeClr val="tx2"/>
+                </a:solidFill>
+              </a:defRPr>
+            </a:lvl4pPr>
+            <a:lvl5pPr lvl="4" eaLnBrk="1" hangingPunct="1">
+              <a:spcBef>
+                <a:spcPts val="0"/>
+              </a:spcBef>
+              <a:buSzPct val="100000"/>
+              <a:defRPr sz="2400">
+                <a:solidFill>
+                  <a:schemeClr val="tx2"/>
+                </a:solidFill>
+              </a:defRPr>
+            </a:lvl5pPr>
+            <a:lvl6pPr lvl="5" eaLnBrk="1" hangingPunct="1">
+              <a:spcBef>
+                <a:spcPts val="0"/>
+              </a:spcBef>
+              <a:buSzPct val="100000"/>
+              <a:defRPr sz="2400">
+                <a:solidFill>
+                  <a:schemeClr val="tx2"/>
+                </a:solidFill>
+              </a:defRPr>
+            </a:lvl6pPr>
+            <a:lvl7pPr lvl="6" eaLnBrk="1" hangingPunct="1">
+              <a:spcBef>
+                <a:spcPts val="0"/>
+              </a:spcBef>
+              <a:buSzPct val="100000"/>
+              <a:defRPr sz="2400">
+                <a:solidFill>
+                  <a:schemeClr val="tx2"/>
+                </a:solidFill>
+              </a:defRPr>
+            </a:lvl7pPr>
+            <a:lvl8pPr lvl="7" eaLnBrk="1" hangingPunct="1">
+              <a:spcBef>
+                <a:spcPts val="0"/>
+              </a:spcBef>
+              <a:buSzPct val="100000"/>
+              <a:defRPr sz="2400">
+                <a:solidFill>
+                  <a:schemeClr val="tx2"/>
+                </a:solidFill>
+              </a:defRPr>
+            </a:lvl8pPr>
+            <a:lvl9pPr lvl="8" eaLnBrk="1" hangingPunct="1">
+              <a:spcBef>
+                <a:spcPts val="0"/>
+              </a:spcBef>
+              <a:buSzPct val="100000"/>
+              <a:defRPr sz="2400">
+                <a:solidFill>
+                  <a:schemeClr val="tx2"/>
+                </a:solidFill>
+              </a:defRPr>
+            </a:lvl9pPr>
+          </a:lstStyle>
+          <a:p>
+            <a:r>
+              <a:rPr lang="pt-BR" sz="6000" dirty="0">
+                <a:latin typeface="Century" panose="02040604050505020304" pitchFamily="18" charset="0"/>
+              </a:rPr>
+              <a:t>SOLUÇÃO</a:t>
+            </a:r>
+            <a:endParaRPr lang="pt-BR" sz="7200" dirty="0">
+              <a:latin typeface="Century" panose="02040604050505020304" pitchFamily="18" charset="0"/>
+            </a:endParaRPr>
+          </a:p>
+        </p:txBody>
+      </p:sp>
+    </p:spTree>
+  </p:cSld>
+  <p:clrMapOvr>
+    <a:masterClrMapping/>
+  </p:clrMapOvr>
+</p:sld>
+</file>
+
+<file path=ppt/slides/slide14.xml><?xml version="1.0" encoding="utf-8"?>
+<p:sld xmlns:a="http://schemas.openxmlformats.org/drawingml/2006/main" xmlns:r="http://schemas.openxmlformats.org/officeDocument/2006/relationships" xmlns:p="http://schemas.openxmlformats.org/presentationml/2006/main">
+  <p:cSld>
+    <p:spTree>
+      <p:nvGrpSpPr>
+        <p:cNvPr id="1" name=""/>
+        <p:cNvGrpSpPr/>
+        <p:nvPr/>
+      </p:nvGrpSpPr>
+      <p:grpSpPr>
+        <a:xfrm>
+          <a:off x="0" y="0"/>
+          <a:ext cx="0" cy="0"/>
+          <a:chOff x="0" y="0"/>
+          <a:chExt cx="0" cy="0"/>
+        </a:xfrm>
+      </p:grpSpPr>
+      <p:sp>
+        <p:nvSpPr>
           <p:cNvPr id="4" name="Text Placeholder 2"/>
           <p:cNvSpPr txBox="1">
             <a:spLocks/>
@@ -8914,7 +9391,7 @@
 </p:sld>
 </file>
 
-<file path=ppt/slides/slide13.xml><?xml version="1.0" encoding="utf-8"?>
+<file path=ppt/slides/slide15.xml><?xml version="1.0" encoding="utf-8"?>
 <p:sld xmlns:a="http://schemas.openxmlformats.org/drawingml/2006/main" xmlns:r="http://schemas.openxmlformats.org/officeDocument/2006/relationships" xmlns:p="http://schemas.openxmlformats.org/presentationml/2006/main">
   <p:cSld>
     <p:spTree>
@@ -9057,7 +9534,7 @@
 </p:sld>
 </file>
 
-<file path=ppt/slides/slide14.xml><?xml version="1.0" encoding="utf-8"?>
+<file path=ppt/slides/slide16.xml><?xml version="1.0" encoding="utf-8"?>
 <p:sld xmlns:a="http://schemas.openxmlformats.org/drawingml/2006/main" xmlns:r="http://schemas.openxmlformats.org/officeDocument/2006/relationships" xmlns:p="http://schemas.openxmlformats.org/presentationml/2006/main">
   <p:cSld>
     <p:spTree>
@@ -10181,7 +10658,7 @@
                 </a:solidFill>
                 <a:latin typeface="Century" panose="02040604050505020304" pitchFamily="18" charset="0"/>
               </a:rPr>
-              <a:t>Identificação os ingredientes.</a:t>
+              <a:t>Identificação dos ingredientes.</a:t>
             </a:r>
             <a:endParaRPr lang="pt-BR" sz="1600" dirty="0">
               <a:solidFill>
@@ -10253,7 +10730,7 @@
         <p:spPr>
           <a:xfrm>
             <a:off x="2952190" y="3812469"/>
-            <a:ext cx="2661306" cy="615553"/>
+            <a:ext cx="2731838" cy="615553"/>
           </a:xfrm>
           <a:prstGeom prst="rect">
             <a:avLst/>
@@ -10276,7 +10753,7 @@
                 </a:solidFill>
                 <a:latin typeface="Century" panose="02040604050505020304" pitchFamily="18" charset="0"/>
               </a:rPr>
-              <a:t>Publicar uma receita</a:t>
+              <a:t>Publicar uma receita.</a:t>
             </a:r>
           </a:p>
           <a:p>
@@ -10286,10 +10763,10 @@
       </p:sp>
       <p:pic>
         <p:nvPicPr>
-          <p:cNvPr id="3" name="Imagem 2">
+          <p:cNvPr id="4" name="Imagem 3">
             <a:extLst>
               <a:ext uri="{FF2B5EF4-FFF2-40B4-BE49-F238E27FC236}">
-                <a16:creationId xmlns:a16="http://schemas.microsoft.com/office/drawing/2014/main" id="{C4534E17-B9BE-43AC-80C8-73E633B456EF}"/>
+                <a16:creationId xmlns:a16="http://schemas.microsoft.com/office/drawing/2014/main" id="{7CCBFF47-7ECE-4482-9D57-EAD134FC276F}"/>
               </a:ext>
             </a:extLst>
           </p:cNvPr>
@@ -10306,8 +10783,8 @@
         </p:blipFill>
         <p:spPr>
           <a:xfrm>
-            <a:off x="1484143" y="365760"/>
-            <a:ext cx="1252010" cy="4413196"/>
+            <a:off x="1745185" y="372795"/>
+            <a:ext cx="1230959" cy="4389120"/>
           </a:xfrm>
           <a:prstGeom prst="rect">
             <a:avLst/>
@@ -10487,7 +10964,12 @@
             <p:ph type="title"/>
           </p:nvPr>
         </p:nvSpPr>
-        <p:spPr/>
+        <p:spPr>
+          <a:xfrm>
+            <a:off x="975066" y="1038173"/>
+            <a:ext cx="7200897" cy="977900"/>
+          </a:xfrm>
+        </p:spPr>
         <p:txBody>
           <a:bodyPr/>
           <a:lstStyle/>
@@ -10561,262 +11043,63 @@
       </p:grpSpPr>
       <p:sp>
         <p:nvSpPr>
-          <p:cNvPr id="4" name="Text Placeholder 2"/>
-          <p:cNvSpPr txBox="1">
-            <a:spLocks/>
-          </p:cNvSpPr>
-          <p:nvPr/>
-        </p:nvSpPr>
-        <p:spPr>
-          <a:xfrm>
-            <a:off x="914400" y="1005575"/>
-            <a:ext cx="7422000" cy="2911200"/>
-          </a:xfrm>
-          <a:prstGeom prst="rect">
-            <a:avLst/>
-          </a:prstGeom>
-        </p:spPr>
+          <p:cNvPr id="2" name="Título 1">
+            <a:extLst>
+              <a:ext uri="{FF2B5EF4-FFF2-40B4-BE49-F238E27FC236}">
+                <a16:creationId xmlns:a16="http://schemas.microsoft.com/office/drawing/2014/main" id="{5ADDC22E-FCB3-486A-B6C0-453CEA9491F0}"/>
+              </a:ext>
+            </a:extLst>
+          </p:cNvPr>
+          <p:cNvSpPr>
+            <a:spLocks noGrp="1"/>
+          </p:cNvSpPr>
+          <p:nvPr>
+            <p:ph type="title"/>
+          </p:nvPr>
+        </p:nvSpPr>
+        <p:spPr/>
         <p:txBody>
           <a:bodyPr/>
-          <a:lstStyle>
-            <a:lvl1pPr marL="214313" indent="-214313" algn="l" defTabSz="342900" rtl="0" eaLnBrk="1" latinLnBrk="0" hangingPunct="1">
-              <a:spcBef>
-                <a:spcPct val="20000"/>
-              </a:spcBef>
-              <a:spcAft>
-                <a:spcPts val="450"/>
-              </a:spcAft>
-              <a:buClr>
-                <a:schemeClr val="accent1"/>
-              </a:buClr>
-              <a:buSzPct val="115000"/>
-              <a:buFont typeface="Arial"/>
-              <a:buChar char="•"/>
-              <a:defRPr sz="1800" kern="1200" cap="none">
-                <a:solidFill>
-                  <a:schemeClr val="tx1">
-                    <a:lumMod val="85000"/>
-                    <a:lumOff val="15000"/>
-                  </a:schemeClr>
-                </a:solidFill>
-                <a:effectLst/>
-                <a:latin typeface="+mn-lt"/>
-                <a:ea typeface="+mn-ea"/>
-                <a:cs typeface="+mn-cs"/>
-              </a:defRPr>
-            </a:lvl1pPr>
-            <a:lvl2pPr marL="557213" indent="-214313" algn="l" defTabSz="342900" rtl="0" eaLnBrk="1" latinLnBrk="0" hangingPunct="1">
-              <a:spcBef>
-                <a:spcPct val="20000"/>
-              </a:spcBef>
-              <a:spcAft>
-                <a:spcPts val="450"/>
-              </a:spcAft>
-              <a:buClr>
-                <a:schemeClr val="accent1"/>
-              </a:buClr>
-              <a:buSzPct val="115000"/>
-              <a:buFont typeface="Arial"/>
-              <a:buChar char="•"/>
-              <a:defRPr sz="1500" kern="1200" cap="none">
-                <a:solidFill>
-                  <a:schemeClr val="tx1">
-                    <a:lumMod val="85000"/>
-                    <a:lumOff val="15000"/>
-                  </a:schemeClr>
-                </a:solidFill>
-                <a:effectLst/>
-                <a:latin typeface="+mn-lt"/>
-                <a:ea typeface="+mn-ea"/>
-                <a:cs typeface="+mn-cs"/>
-              </a:defRPr>
-            </a:lvl2pPr>
-            <a:lvl3pPr marL="900113" indent="-214313" algn="l" defTabSz="342900" rtl="0" eaLnBrk="1" latinLnBrk="0" hangingPunct="1">
-              <a:spcBef>
-                <a:spcPct val="20000"/>
-              </a:spcBef>
-              <a:spcAft>
-                <a:spcPts val="450"/>
-              </a:spcAft>
-              <a:buClr>
-                <a:schemeClr val="accent1"/>
-              </a:buClr>
-              <a:buSzPct val="115000"/>
-              <a:buFont typeface="Arial"/>
-              <a:buChar char="•"/>
-              <a:defRPr sz="1350" kern="1200" cap="none">
-                <a:solidFill>
-                  <a:schemeClr val="tx1">
-                    <a:lumMod val="85000"/>
-                    <a:lumOff val="15000"/>
-                  </a:schemeClr>
-                </a:solidFill>
-                <a:effectLst/>
-                <a:latin typeface="+mn-lt"/>
-                <a:ea typeface="+mn-ea"/>
-                <a:cs typeface="+mn-cs"/>
-              </a:defRPr>
-            </a:lvl3pPr>
-            <a:lvl4pPr marL="1157288" indent="-128588" algn="l" defTabSz="342900" rtl="0" eaLnBrk="1" latinLnBrk="0" hangingPunct="1">
-              <a:spcBef>
-                <a:spcPct val="20000"/>
-              </a:spcBef>
-              <a:spcAft>
-                <a:spcPts val="450"/>
-              </a:spcAft>
-              <a:buClr>
-                <a:schemeClr val="accent1"/>
-              </a:buClr>
-              <a:buSzPct val="115000"/>
-              <a:buFont typeface="Arial"/>
-              <a:buChar char="•"/>
-              <a:defRPr sz="1200" kern="1200" cap="none">
-                <a:solidFill>
-                  <a:schemeClr val="tx1">
-                    <a:lumMod val="85000"/>
-                    <a:lumOff val="15000"/>
-                  </a:schemeClr>
-                </a:solidFill>
-                <a:effectLst/>
-                <a:latin typeface="+mn-lt"/>
-                <a:ea typeface="+mn-ea"/>
-                <a:cs typeface="+mn-cs"/>
-              </a:defRPr>
-            </a:lvl4pPr>
-            <a:lvl5pPr marL="1500188" indent="-128588" algn="l" defTabSz="342900" rtl="0" eaLnBrk="1" latinLnBrk="0" hangingPunct="1">
-              <a:spcBef>
-                <a:spcPct val="20000"/>
-              </a:spcBef>
-              <a:spcAft>
-                <a:spcPts val="450"/>
-              </a:spcAft>
-              <a:buClr>
-                <a:schemeClr val="accent1"/>
-              </a:buClr>
-              <a:buSzPct val="115000"/>
-              <a:buFont typeface="Arial"/>
-              <a:buChar char="•"/>
-              <a:defRPr sz="1050" kern="1200" cap="none">
-                <a:solidFill>
-                  <a:schemeClr val="tx1">
-                    <a:lumMod val="85000"/>
-                    <a:lumOff val="15000"/>
-                  </a:schemeClr>
-                </a:solidFill>
-                <a:effectLst/>
-                <a:latin typeface="+mn-lt"/>
-                <a:ea typeface="+mn-ea"/>
-                <a:cs typeface="+mn-cs"/>
-              </a:defRPr>
-            </a:lvl5pPr>
-            <a:lvl6pPr marL="1885950" indent="-171450" algn="l" defTabSz="342900" rtl="0" eaLnBrk="1" latinLnBrk="0" hangingPunct="1">
-              <a:spcBef>
-                <a:spcPct val="20000"/>
-              </a:spcBef>
-              <a:spcAft>
-                <a:spcPts val="450"/>
-              </a:spcAft>
-              <a:buClr>
-                <a:schemeClr val="accent1"/>
-              </a:buClr>
-              <a:buSzPct val="115000"/>
-              <a:buFont typeface="Arial"/>
-              <a:buChar char="•"/>
-              <a:defRPr sz="1050" kern="1200" cap="none">
-                <a:solidFill>
-                  <a:schemeClr val="tx1">
-                    <a:lumMod val="85000"/>
-                    <a:lumOff val="15000"/>
-                  </a:schemeClr>
-                </a:solidFill>
-                <a:effectLst/>
-                <a:latin typeface="+mn-lt"/>
-                <a:ea typeface="+mn-ea"/>
-                <a:cs typeface="+mn-cs"/>
-              </a:defRPr>
-            </a:lvl6pPr>
-            <a:lvl7pPr marL="2228850" indent="-171450" algn="l" defTabSz="342900" rtl="0" eaLnBrk="1" latinLnBrk="0" hangingPunct="1">
-              <a:spcBef>
-                <a:spcPct val="20000"/>
-              </a:spcBef>
-              <a:spcAft>
-                <a:spcPts val="450"/>
-              </a:spcAft>
-              <a:buClr>
-                <a:schemeClr val="accent1"/>
-              </a:buClr>
-              <a:buSzPct val="115000"/>
-              <a:buFont typeface="Arial"/>
-              <a:buChar char="•"/>
-              <a:defRPr sz="1050" kern="1200" cap="none">
-                <a:solidFill>
-                  <a:schemeClr val="tx1">
-                    <a:lumMod val="85000"/>
-                    <a:lumOff val="15000"/>
-                  </a:schemeClr>
-                </a:solidFill>
-                <a:effectLst/>
-                <a:latin typeface="+mn-lt"/>
-                <a:ea typeface="+mn-ea"/>
-                <a:cs typeface="+mn-cs"/>
-              </a:defRPr>
-            </a:lvl7pPr>
-            <a:lvl8pPr marL="2571750" indent="-171450" algn="l" defTabSz="342900" rtl="0" eaLnBrk="1" latinLnBrk="0" hangingPunct="1">
-              <a:spcBef>
-                <a:spcPct val="20000"/>
-              </a:spcBef>
-              <a:spcAft>
-                <a:spcPts val="450"/>
-              </a:spcAft>
-              <a:buClr>
-                <a:schemeClr val="accent1"/>
-              </a:buClr>
-              <a:buSzPct val="115000"/>
-              <a:buFont typeface="Arial"/>
-              <a:buChar char="•"/>
-              <a:defRPr sz="1050" kern="1200" cap="none">
-                <a:solidFill>
-                  <a:schemeClr val="tx1">
-                    <a:lumMod val="85000"/>
-                    <a:lumOff val="15000"/>
-                  </a:schemeClr>
-                </a:solidFill>
-                <a:effectLst/>
-                <a:latin typeface="+mn-lt"/>
-                <a:ea typeface="+mn-ea"/>
-                <a:cs typeface="+mn-cs"/>
-              </a:defRPr>
-            </a:lvl8pPr>
-            <a:lvl9pPr marL="2914650" indent="-171450" algn="l" defTabSz="342900" rtl="0" eaLnBrk="1" latinLnBrk="0" hangingPunct="1">
-              <a:spcBef>
-                <a:spcPct val="20000"/>
-              </a:spcBef>
-              <a:spcAft>
-                <a:spcPts val="450"/>
-              </a:spcAft>
-              <a:buClr>
-                <a:schemeClr val="accent1"/>
-              </a:buClr>
-              <a:buSzPct val="115000"/>
-              <a:buFont typeface="Arial"/>
-              <a:buChar char="•"/>
-              <a:defRPr sz="1050" kern="1200" cap="none">
-                <a:solidFill>
-                  <a:schemeClr val="tx1">
-                    <a:lumMod val="85000"/>
-                    <a:lumOff val="15000"/>
-                  </a:schemeClr>
-                </a:solidFill>
-                <a:effectLst/>
-                <a:latin typeface="+mn-lt"/>
-                <a:ea typeface="+mn-ea"/>
-                <a:cs typeface="+mn-cs"/>
-              </a:defRPr>
-            </a:lvl9pPr>
-          </a:lstStyle>
-          <a:p>
-            <a:r>
-              <a:rPr lang="pt-BR" sz="2400" dirty="0">
+          <a:lstStyle/>
+          <a:p>
+            <a:r>
+              <a:rPr lang="pt-BR" sz="3600" dirty="0">
+                <a:latin typeface="Century" panose="02040604050505020304" pitchFamily="18" charset="0"/>
+              </a:rPr>
+              <a:t>Pesquisa de Mercado</a:t>
+            </a:r>
+            <a:endParaRPr lang="pt-BR" dirty="0"/>
+          </a:p>
+        </p:txBody>
+      </p:sp>
+      <p:sp>
+        <p:nvSpPr>
+          <p:cNvPr id="3" name="Espaço Reservado para Conteúdo 2">
+            <a:extLst>
+              <a:ext uri="{FF2B5EF4-FFF2-40B4-BE49-F238E27FC236}">
+                <a16:creationId xmlns:a16="http://schemas.microsoft.com/office/drawing/2014/main" id="{67F35742-F3A3-4093-90B8-7688C866EB97}"/>
+              </a:ext>
+            </a:extLst>
+          </p:cNvPr>
+          <p:cNvSpPr>
+            <a:spLocks noGrp="1"/>
+          </p:cNvSpPr>
+          <p:nvPr>
+            <p:ph idx="1"/>
+          </p:nvPr>
+        </p:nvSpPr>
+        <p:spPr>
+          <a:xfrm>
+            <a:off x="971551" y="1966936"/>
+            <a:ext cx="7200897" cy="2489202"/>
+          </a:xfrm>
+        </p:spPr>
+        <p:txBody>
+          <a:bodyPr/>
+          <a:lstStyle/>
+          <a:p>
+            <a:r>
+              <a:rPr lang="pt-BR" dirty="0">
                 <a:latin typeface="Century" panose="02040604050505020304" pitchFamily="18" charset="0"/>
               </a:rPr>
               <a:t>Receitas mal formuladas.</a:t>
@@ -10824,7 +11107,7 @@
           </a:p>
           <a:p>
             <a:r>
-              <a:rPr lang="pt-BR" sz="2400" dirty="0">
+              <a:rPr lang="pt-BR" dirty="0">
                 <a:latin typeface="Century" panose="02040604050505020304" pitchFamily="18" charset="0"/>
               </a:rPr>
               <a:t>Falta de assistência no preparo de uma receita.</a:t>
@@ -10832,7 +11115,7 @@
           </a:p>
           <a:p>
             <a:r>
-              <a:rPr lang="pt-BR" sz="2400" dirty="0">
+              <a:rPr lang="pt-BR" dirty="0">
                 <a:latin typeface="Century" panose="02040604050505020304" pitchFamily="18" charset="0"/>
               </a:rPr>
               <a:t>Medidas incoerentes.</a:t>
@@ -10840,35 +11123,26 @@
           </a:p>
           <a:p>
             <a:r>
-              <a:rPr lang="pt-BR" sz="2400" dirty="0">
+              <a:rPr lang="pt-BR" dirty="0">
                 <a:latin typeface="Century" panose="02040604050505020304" pitchFamily="18" charset="0"/>
               </a:rPr>
-              <a:t>Incompatibilidade na procura de receitas com ingredientes da sua despensa.</a:t>
-            </a:r>
-          </a:p>
-          <a:p>
-            <a:r>
-              <a:rPr lang="pt-BR" sz="2400" dirty="0">
+              <a:t>Dificuldade na procura de receitas com ingredientes da despensa.</a:t>
+            </a:r>
+          </a:p>
+          <a:p>
+            <a:r>
+              <a:rPr lang="pt-BR" dirty="0">
                 <a:latin typeface="Century" panose="02040604050505020304" pitchFamily="18" charset="0"/>
               </a:rPr>
-              <a:t>Sugestões deficientes de receitas.</a:t>
-            </a:r>
-            <a:endParaRPr lang="pt-BR" sz="2800" dirty="0">
-              <a:latin typeface="Century" panose="02040604050505020304" pitchFamily="18" charset="0"/>
-            </a:endParaRPr>
-          </a:p>
-          <a:p>
-            <a:pPr marL="0" indent="0">
-              <a:buNone/>
-            </a:pPr>
-            <a:endParaRPr lang="pt-BR" dirty="0"/>
+              <a:t>Linguagem complexa.</a:t>
+            </a:r>
           </a:p>
         </p:txBody>
       </p:sp>
     </p:spTree>
     <p:extLst>
       <p:ext uri="{BB962C8B-B14F-4D97-AF65-F5344CB8AC3E}">
-        <p14:creationId xmlns:p14="http://schemas.microsoft.com/office/powerpoint/2010/main" val="4209418873"/>
+        <p14:creationId xmlns:p14="http://schemas.microsoft.com/office/powerpoint/2010/main" val="674388171"/>
       </p:ext>
     </p:extLst>
   </p:cSld>

--- a/projeto/LetsCook_04.pptx
+++ b/projeto/LetsCook_04.pptx
@@ -8626,7 +8626,7 @@
               <a:rPr lang="pt-BR" sz="2400" dirty="0">
                 <a:latin typeface="Century" panose="02040604050505020304" pitchFamily="18" charset="0"/>
               </a:rPr>
-              <a:t>Você utilizaria um aplicativo que fosse capaz de identificar receitas através dos ingredientes da sua dispensa?</a:t>
+              <a:t>Você utilizaria um aplicativo que fosse capaz de identificar receitas através dos ingredientes da sua despensa?</a:t>
             </a:r>
           </a:p>
         </p:txBody>

--- a/projeto/LetsCook_04.pptx
+++ b/projeto/LetsCook_04.pptx
@@ -29,25 +29,25 @@
   <p:notesSz cx="6858000" cy="9144000"/>
   <p:embeddedFontLst>
     <p:embeddedFont>
-      <p:font typeface="Garamond" panose="02020404030301010803" pitchFamily="18" charset="0"/>
+      <p:font typeface="Lato" panose="020B0604020202020204" charset="0"/>
       <p:regular r:id="rId19"/>
       <p:bold r:id="rId20"/>
       <p:italic r:id="rId21"/>
+      <p:boldItalic r:id="rId22"/>
+    </p:embeddedFont>
+    <p:embeddedFont>
+      <p:font typeface="Garamond" panose="02020404030301010803" pitchFamily="18" charset="0"/>
+      <p:regular r:id="rId23"/>
+      <p:bold r:id="rId24"/>
+      <p:italic r:id="rId25"/>
     </p:embeddedFont>
     <p:embeddedFont>
       <p:font typeface="Century" panose="02040604050505020304" pitchFamily="18" charset="0"/>
-      <p:regular r:id="rId22"/>
+      <p:regular r:id="rId26"/>
     </p:embeddedFont>
     <p:embeddedFont>
       <p:font typeface="Segoe UI Black" panose="020B0A02040204020203" pitchFamily="34" charset="0"/>
-      <p:bold r:id="rId23"/>
-      <p:boldItalic r:id="rId24"/>
-    </p:embeddedFont>
-    <p:embeddedFont>
-      <p:font typeface="Lato" panose="020B0604020202020204" charset="0"/>
-      <p:regular r:id="rId25"/>
-      <p:bold r:id="rId26"/>
-      <p:italic r:id="rId27"/>
+      <p:bold r:id="rId27"/>
       <p:boldItalic r:id="rId28"/>
     </p:embeddedFont>
   </p:embeddedFontLst>
@@ -1737,7 +1737,7 @@
             <a:fld id="{8E36636D-D922-432D-A958-524484B5923D}" type="datetimeFigureOut">
               <a:rPr lang="en-US" smtClean="0"/>
               <a:pPr/>
-              <a:t>10/29/2017</a:t>
+              <a:t>10/30/2017</a:t>
             </a:fld>
             <a:endParaRPr lang="en-US" dirty="0"/>
           </a:p>
@@ -2085,7 +2085,7 @@
             <a:fld id="{8E36636D-D922-432D-A958-524484B5923D}" type="datetimeFigureOut">
               <a:rPr lang="en-US" smtClean="0"/>
               <a:pPr/>
-              <a:t>10/29/2017</a:t>
+              <a:t>10/30/2017</a:t>
             </a:fld>
             <a:endParaRPr lang="en-US" dirty="0"/>
           </a:p>
@@ -2357,7 +2357,7 @@
             <a:fld id="{8E36636D-D922-432D-A958-524484B5923D}" type="datetimeFigureOut">
               <a:rPr lang="en-US" smtClean="0"/>
               <a:pPr/>
-              <a:t>10/29/2017</a:t>
+              <a:t>10/30/2017</a:t>
             </a:fld>
             <a:endParaRPr lang="en-US" dirty="0"/>
           </a:p>
@@ -2720,7 +2720,7 @@
             <a:fld id="{8E36636D-D922-432D-A958-524484B5923D}" type="datetimeFigureOut">
               <a:rPr lang="en-US" smtClean="0"/>
               <a:pPr/>
-              <a:t>10/29/2017</a:t>
+              <a:t>10/30/2017</a:t>
             </a:fld>
             <a:endParaRPr lang="en-US" dirty="0"/>
           </a:p>
@@ -3091,7 +3091,7 @@
             <a:fld id="{8E36636D-D922-432D-A958-524484B5923D}" type="datetimeFigureOut">
               <a:rPr lang="en-US" smtClean="0"/>
               <a:pPr/>
-              <a:t>10/29/2017</a:t>
+              <a:t>10/30/2017</a:t>
             </a:fld>
             <a:endParaRPr lang="en-US" dirty="0"/>
           </a:p>
@@ -3489,7 +3489,7 @@
             <a:fld id="{8E36636D-D922-432D-A958-524484B5923D}" type="datetimeFigureOut">
               <a:rPr lang="en-US" smtClean="0"/>
               <a:pPr/>
-              <a:t>10/29/2017</a:t>
+              <a:t>10/30/2017</a:t>
             </a:fld>
             <a:endParaRPr lang="en-US" dirty="0"/>
           </a:p>
@@ -3983,7 +3983,7 @@
             <a:fld id="{8E36636D-D922-432D-A958-524484B5923D}" type="datetimeFigureOut">
               <a:rPr lang="en-US" smtClean="0"/>
               <a:pPr/>
-              <a:t>10/29/2017</a:t>
+              <a:t>10/30/2017</a:t>
             </a:fld>
             <a:endParaRPr lang="en-US" dirty="0"/>
           </a:p>
@@ -4212,7 +4212,7 @@
             <a:fld id="{8E36636D-D922-432D-A958-524484B5923D}" type="datetimeFigureOut">
               <a:rPr lang="en-US" smtClean="0"/>
               <a:pPr/>
-              <a:t>10/29/2017</a:t>
+              <a:t>10/30/2017</a:t>
             </a:fld>
             <a:endParaRPr lang="en-US" dirty="0"/>
           </a:p>
@@ -4447,7 +4447,7 @@
             <a:fld id="{8E36636D-D922-432D-A958-524484B5923D}" type="datetimeFigureOut">
               <a:rPr lang="en-US" smtClean="0"/>
               <a:pPr/>
-              <a:t>10/29/2017</a:t>
+              <a:t>10/30/2017</a:t>
             </a:fld>
             <a:endParaRPr lang="en-US" dirty="0"/>
           </a:p>
@@ -5095,7 +5095,7 @@
             <a:fld id="{8E36636D-D922-432D-A958-524484B5923D}" type="datetimeFigureOut">
               <a:rPr lang="en-US" smtClean="0"/>
               <a:pPr/>
-              <a:t>10/29/2017</a:t>
+              <a:t>10/30/2017</a:t>
             </a:fld>
             <a:endParaRPr lang="en-US" dirty="0"/>
           </a:p>
@@ -5367,7 +5367,7 @@
             <a:fld id="{8E36636D-D922-432D-A958-524484B5923D}" type="datetimeFigureOut">
               <a:rPr lang="en-US" smtClean="0"/>
               <a:pPr/>
-              <a:t>10/29/2017</a:t>
+              <a:t>10/30/2017</a:t>
             </a:fld>
             <a:endParaRPr lang="en-US" dirty="0"/>
           </a:p>
@@ -5689,7 +5689,7 @@
             <a:fld id="{8E36636D-D922-432D-A958-524484B5923D}" type="datetimeFigureOut">
               <a:rPr lang="en-US" smtClean="0"/>
               <a:pPr/>
-              <a:t>10/29/2017</a:t>
+              <a:t>10/30/2017</a:t>
             </a:fld>
             <a:endParaRPr lang="en-US" dirty="0"/>
           </a:p>
@@ -6095,7 +6095,7 @@
             <a:fld id="{8E36636D-D922-432D-A958-524484B5923D}" type="datetimeFigureOut">
               <a:rPr lang="en-US" smtClean="0"/>
               <a:pPr/>
-              <a:t>10/29/2017</a:t>
+              <a:t>10/30/2017</a:t>
             </a:fld>
             <a:endParaRPr lang="en-US" dirty="0"/>
           </a:p>
@@ -6268,7 +6268,7 @@
             <a:fld id="{8E36636D-D922-432D-A958-524484B5923D}" type="datetimeFigureOut">
               <a:rPr lang="en-US" smtClean="0"/>
               <a:pPr/>
-              <a:t>10/29/2017</a:t>
+              <a:t>10/30/2017</a:t>
             </a:fld>
             <a:endParaRPr lang="en-US" dirty="0"/>
           </a:p>
@@ -6418,7 +6418,7 @@
             <a:fld id="{8E36636D-D922-432D-A958-524484B5923D}" type="datetimeFigureOut">
               <a:rPr lang="en-US" smtClean="0"/>
               <a:pPr/>
-              <a:t>10/29/2017</a:t>
+              <a:t>10/30/2017</a:t>
             </a:fld>
             <a:endParaRPr lang="en-US" dirty="0"/>
           </a:p>
@@ -6697,7 +6697,7 @@
             <a:fld id="{8E36636D-D922-432D-A958-524484B5923D}" type="datetimeFigureOut">
               <a:rPr lang="en-US" smtClean="0"/>
               <a:pPr/>
-              <a:t>10/29/2017</a:t>
+              <a:t>10/30/2017</a:t>
             </a:fld>
             <a:endParaRPr lang="en-US" dirty="0"/>
           </a:p>
@@ -7036,7 +7036,7 @@
             <a:fld id="{8E36636D-D922-432D-A958-524484B5923D}" type="datetimeFigureOut">
               <a:rPr lang="en-US" smtClean="0"/>
               <a:pPr/>
-              <a:t>10/29/2017</a:t>
+              <a:t>10/30/2017</a:t>
             </a:fld>
             <a:endParaRPr lang="en-US" dirty="0"/>
           </a:p>
@@ -7304,7 +7304,7 @@
             <a:fld id="{8E36636D-D922-432D-A958-524484B5923D}" type="datetimeFigureOut">
               <a:rPr lang="en-US" smtClean="0"/>
               <a:pPr/>
-              <a:t>10/29/2017</a:t>
+              <a:t>10/30/2017</a:t>
             </a:fld>
             <a:endParaRPr lang="en-US" dirty="0"/>
           </a:p>
@@ -7970,11 +7970,7 @@
               <a:rPr lang="pt-BR" sz="1800" dirty="0">
                 <a:latin typeface="Century" panose="02040604050505020304" pitchFamily="18" charset="0"/>
               </a:rPr>
-              <a:t>Fabio Silva</a:t>
-            </a:r>
-            <a:r>
-              <a:rPr lang="pt-BR" sz="1800" dirty="0"/>
-              <a:t>.</a:t>
+              <a:t>Fabio Henrique;</a:t>
             </a:r>
             <a:endParaRPr lang="pt-BR" sz="1800" dirty="0">
               <a:solidFill>
@@ -8023,7 +8019,7 @@
               <a:rPr lang="pt-BR" sz="1800" dirty="0">
                 <a:latin typeface="Century" panose="02040604050505020304" pitchFamily="18" charset="0"/>
               </a:rPr>
-              <a:t>Rodrigo Rivera;</a:t>
+              <a:t>Rodrigo Rivera.</a:t>
             </a:r>
           </a:p>
           <a:p>
@@ -8371,7 +8367,7 @@
               <a:rPr lang="pt-BR" sz="2400" dirty="0">
                 <a:latin typeface="Century" panose="02040604050505020304" pitchFamily="18" charset="0"/>
               </a:rPr>
-              <a:t>Você identifica facilmente possíveis receitas através dos ingredientes existentes na sua dispensa?</a:t>
+              <a:t>Você identifica facilmente possíveis receitas através dos ingredientes existentes na sua despensa?</a:t>
             </a:r>
           </a:p>
         </p:txBody>
@@ -9354,7 +9350,7 @@
               <a:rPr lang="pt-BR" sz="2400" dirty="0">
                 <a:latin typeface="Century" panose="02040604050505020304" pitchFamily="18" charset="0"/>
               </a:rPr>
-              <a:t>Sugestões inteligentes, baseadas nas avaliações e categorias.</a:t>
+              <a:t>Sugestões inteligentes.</a:t>
             </a:r>
           </a:p>
           <a:p>
@@ -9362,16 +9358,8 @@
               <a:rPr lang="pt-BR" sz="2400" dirty="0">
                 <a:latin typeface="Century" panose="02040604050505020304" pitchFamily="18" charset="0"/>
               </a:rPr>
-              <a:t>Lista de compras vínculada aos ingredientes.</a:t>
-            </a:r>
-          </a:p>
-          <a:p>
-            <a:pPr marL="0" indent="0">
-              <a:buNone/>
-            </a:pPr>
-            <a:endParaRPr lang="pt-BR" sz="2400" dirty="0">
-              <a:latin typeface="Century" panose="02040604050505020304" pitchFamily="18" charset="0"/>
-            </a:endParaRPr>
+              <a:t>Lista de compras.</a:t>
+            </a:r>
           </a:p>
           <a:p>
             <a:endParaRPr lang="pt-BR" dirty="0"/>
@@ -11385,7 +11373,7 @@
   <a:themeElements>
     <a:clrScheme name="Orgânico">
       <a:dk1>
-        <a:sysClr val="windowText" lastClr="000000"/>
+        <a:sysClr val="windowText" lastClr="404040"/>
       </a:dk1>
       <a:lt1>
         <a:sysClr val="window" lastClr="FFFFFF"/>
